--- a/Lectures/HowYourBrainWorks1.pptx
+++ b/Lectures/HowYourBrainWorks1.pptx
@@ -6,17 +6,17 @@
   </p:sldMasterIdLst>
   <p:sldIdLst>
     <p:sldId id="256" r:id="rId2"/>
-    <p:sldId id="257" r:id="rId3"/>
-    <p:sldId id="258" r:id="rId4"/>
-    <p:sldId id="259" r:id="rId5"/>
-    <p:sldId id="260" r:id="rId6"/>
-    <p:sldId id="261" r:id="rId7"/>
-    <p:sldId id="262" r:id="rId8"/>
-    <p:sldId id="263" r:id="rId9"/>
-    <p:sldId id="264" r:id="rId10"/>
-    <p:sldId id="266" r:id="rId11"/>
-    <p:sldId id="265" r:id="rId12"/>
-    <p:sldId id="267" r:id="rId13"/>
+    <p:sldId id="258" r:id="rId3"/>
+    <p:sldId id="259" r:id="rId4"/>
+    <p:sldId id="260" r:id="rId5"/>
+    <p:sldId id="261" r:id="rId6"/>
+    <p:sldId id="262" r:id="rId7"/>
+    <p:sldId id="263" r:id="rId8"/>
+    <p:sldId id="264" r:id="rId9"/>
+    <p:sldId id="266" r:id="rId10"/>
+    <p:sldId id="265" r:id="rId11"/>
+    <p:sldId id="267" r:id="rId12"/>
+    <p:sldId id="269" r:id="rId13"/>
     <p:sldId id="268" r:id="rId14"/>
   </p:sldIdLst>
   <p:sldSz cx="9144000" cy="6858000" type="screen4x3"/>
@@ -300,7 +300,7 @@
           <a:p>
             <a:fld id="{5532769B-0433-194C-9AE9-547A9AB50E6A}" type="datetimeFigureOut">
               <a:rPr lang="en-US" smtClean="0"/>
-              <a:t>9/24/13</a:t>
+              <a:t>9/8/16</a:t>
             </a:fld>
             <a:endParaRPr lang="en-US"/>
           </a:p>
@@ -470,7 +470,7 @@
           <a:p>
             <a:fld id="{5532769B-0433-194C-9AE9-547A9AB50E6A}" type="datetimeFigureOut">
               <a:rPr lang="en-US" smtClean="0"/>
-              <a:t>9/24/13</a:t>
+              <a:t>9/8/16</a:t>
             </a:fld>
             <a:endParaRPr lang="en-US"/>
           </a:p>
@@ -650,7 +650,7 @@
           <a:p>
             <a:fld id="{5532769B-0433-194C-9AE9-547A9AB50E6A}" type="datetimeFigureOut">
               <a:rPr lang="en-US" smtClean="0"/>
-              <a:t>9/24/13</a:t>
+              <a:t>9/8/16</a:t>
             </a:fld>
             <a:endParaRPr lang="en-US"/>
           </a:p>
@@ -820,7 +820,7 @@
           <a:p>
             <a:fld id="{5532769B-0433-194C-9AE9-547A9AB50E6A}" type="datetimeFigureOut">
               <a:rPr lang="en-US" smtClean="0"/>
-              <a:t>9/24/13</a:t>
+              <a:t>9/8/16</a:t>
             </a:fld>
             <a:endParaRPr lang="en-US"/>
           </a:p>
@@ -1066,7 +1066,7 @@
           <a:p>
             <a:fld id="{5532769B-0433-194C-9AE9-547A9AB50E6A}" type="datetimeFigureOut">
               <a:rPr lang="en-US" smtClean="0"/>
-              <a:t>9/24/13</a:t>
+              <a:t>9/8/16</a:t>
             </a:fld>
             <a:endParaRPr lang="en-US"/>
           </a:p>
@@ -1354,7 +1354,7 @@
           <a:p>
             <a:fld id="{5532769B-0433-194C-9AE9-547A9AB50E6A}" type="datetimeFigureOut">
               <a:rPr lang="en-US" smtClean="0"/>
-              <a:t>9/24/13</a:t>
+              <a:t>9/8/16</a:t>
             </a:fld>
             <a:endParaRPr lang="en-US"/>
           </a:p>
@@ -1776,7 +1776,7 @@
           <a:p>
             <a:fld id="{5532769B-0433-194C-9AE9-547A9AB50E6A}" type="datetimeFigureOut">
               <a:rPr lang="en-US" smtClean="0"/>
-              <a:t>9/24/13</a:t>
+              <a:t>9/8/16</a:t>
             </a:fld>
             <a:endParaRPr lang="en-US"/>
           </a:p>
@@ -1894,7 +1894,7 @@
           <a:p>
             <a:fld id="{5532769B-0433-194C-9AE9-547A9AB50E6A}" type="datetimeFigureOut">
               <a:rPr lang="en-US" smtClean="0"/>
-              <a:t>9/24/13</a:t>
+              <a:t>9/8/16</a:t>
             </a:fld>
             <a:endParaRPr lang="en-US"/>
           </a:p>
@@ -1989,7 +1989,7 @@
           <a:p>
             <a:fld id="{5532769B-0433-194C-9AE9-547A9AB50E6A}" type="datetimeFigureOut">
               <a:rPr lang="en-US" smtClean="0"/>
-              <a:t>9/24/13</a:t>
+              <a:t>9/8/16</a:t>
             </a:fld>
             <a:endParaRPr lang="en-US"/>
           </a:p>
@@ -2266,7 +2266,7 @@
           <a:p>
             <a:fld id="{5532769B-0433-194C-9AE9-547A9AB50E6A}" type="datetimeFigureOut">
               <a:rPr lang="en-US" smtClean="0"/>
-              <a:t>9/24/13</a:t>
+              <a:t>9/8/16</a:t>
             </a:fld>
             <a:endParaRPr lang="en-US"/>
           </a:p>
@@ -2519,7 +2519,7 @@
           <a:p>
             <a:fld id="{5532769B-0433-194C-9AE9-547A9AB50E6A}" type="datetimeFigureOut">
               <a:rPr lang="en-US" smtClean="0"/>
-              <a:t>9/24/13</a:t>
+              <a:t>9/8/16</a:t>
             </a:fld>
             <a:endParaRPr lang="en-US"/>
           </a:p>
@@ -2732,7 +2732,7 @@
           <a:p>
             <a:fld id="{5532769B-0433-194C-9AE9-547A9AB50E6A}" type="datetimeFigureOut">
               <a:rPr lang="en-US" smtClean="0"/>
-              <a:t>9/24/13</a:t>
+              <a:t>9/8/16</a:t>
             </a:fld>
             <a:endParaRPr lang="en-US"/>
           </a:p>
@@ -3196,48 +3196,54 @@
           <a:p>
             <a:r>
               <a:rPr lang="en-US" dirty="0" smtClean="0"/>
-              <a:t>Cognitio</a:t>
-            </a:r>
-            <a:r>
-              <a:rPr lang="en-US" dirty="0"/>
-              <a:t>n</a:t>
-            </a:r>
-          </a:p>
-        </p:txBody>
-      </p:sp>
-      <p:sp>
-        <p:nvSpPr>
-          <p:cNvPr id="3" name="Content Placeholder 2"/>
-          <p:cNvSpPr>
-            <a:spLocks noGrp="1"/>
-          </p:cNvSpPr>
+              <a:t>Cognition</a:t>
+            </a:r>
+            <a:endParaRPr lang="en-US" dirty="0"/>
+          </a:p>
+        </p:txBody>
+      </p:sp>
+      <p:pic>
+        <p:nvPicPr>
+          <p:cNvPr id="4" name="Content Placeholder 3" descr="map.png"/>
+          <p:cNvPicPr>
+            <a:picLocks noGrp="1" noChangeAspect="1"/>
+          </p:cNvPicPr>
           <p:nvPr>
             <p:ph idx="1"/>
           </p:nvPr>
-        </p:nvSpPr>
-        <p:spPr/>
-        <p:txBody>
-          <a:bodyPr/>
-          <a:lstStyle/>
-          <a:p>
-            <a:r>
-              <a:rPr lang="en-US" dirty="0" smtClean="0"/>
-              <a:t>The brain is much better at quickly detecting shade variations than shape differences.</a:t>
-            </a:r>
-            <a:endParaRPr lang="en-US" dirty="0"/>
-          </a:p>
-        </p:txBody>
-      </p:sp>
+        </p:nvPicPr>
+        <p:blipFill>
+          <a:blip r:embed="rId2">
+            <a:extLst>
+              <a:ext uri="{28A0092B-C50C-407E-A947-70E740481C1C}">
+                <a14:useLocalDpi xmlns:a14="http://schemas.microsoft.com/office/drawing/2010/main" val="0"/>
+              </a:ext>
+            </a:extLst>
+          </a:blip>
+          <a:srcRect l="2652" r="2652"/>
+          <a:stretch>
+            <a:fillRect/>
+          </a:stretch>
+        </p:blipFill>
+        <p:spPr/>
+      </p:pic>
     </p:spTree>
     <p:extLst>
       <p:ext uri="{BB962C8B-B14F-4D97-AF65-F5344CB8AC3E}">
-        <p14:creationId xmlns:p14="http://schemas.microsoft.com/office/powerpoint/2010/main" val="3109319288"/>
+        <p14:creationId xmlns:p14="http://schemas.microsoft.com/office/powerpoint/2010/main" val="787378598"/>
       </p:ext>
     </p:extLst>
   </p:cSld>
   <p:clrMapOvr>
     <a:masterClrMapping/>
   </p:clrMapOvr>
+  <p:timing>
+    <p:tnLst>
+      <p:par>
+        <p:cTn xmlns:p14="http://schemas.microsoft.com/office/powerpoint/2010/main" id="1" dur="indefinite" restart="never" nodeType="tmRoot"/>
+      </p:par>
+    </p:tnLst>
+  </p:timing>
 </p:sld>
 </file>
 
@@ -3283,7 +3289,7 @@
       </p:sp>
       <p:pic>
         <p:nvPicPr>
-          <p:cNvPr id="4" name="Content Placeholder 3" descr="map.png"/>
+          <p:cNvPr id="4" name="Content Placeholder 3" descr="countycartredblue1024.png"/>
           <p:cNvPicPr>
             <a:picLocks noGrp="1" noChangeAspect="1"/>
           </p:cNvPicPr>
@@ -3299,7 +3305,7 @@
               </a:ext>
             </a:extLst>
           </a:blip>
-          <a:srcRect l="2652" r="2652"/>
+          <a:srcRect l="-11439" r="-11439"/>
           <a:stretch>
             <a:fillRect/>
           </a:stretch>
@@ -3309,13 +3315,20 @@
     </p:spTree>
     <p:extLst>
       <p:ext uri="{BB962C8B-B14F-4D97-AF65-F5344CB8AC3E}">
-        <p14:creationId xmlns:p14="http://schemas.microsoft.com/office/powerpoint/2010/main" val="787378598"/>
+        <p14:creationId xmlns:p14="http://schemas.microsoft.com/office/powerpoint/2010/main" val="3870529329"/>
       </p:ext>
     </p:extLst>
   </p:cSld>
   <p:clrMapOvr>
     <a:masterClrMapping/>
   </p:clrMapOvr>
+  <p:timing>
+    <p:tnLst>
+      <p:par>
+        <p:cTn xmlns:p14="http://schemas.microsoft.com/office/powerpoint/2010/main" id="1" dur="indefinite" restart="never" nodeType="tmRoot"/>
+      </p:par>
+    </p:tnLst>
+  </p:timing>
 </p:sld>
 </file>
 
@@ -3353,41 +3366,66 @@
           <a:p>
             <a:r>
               <a:rPr lang="en-US" dirty="0" smtClean="0"/>
-              <a:t>Cognition</a:t>
+              <a:t>Examples</a:t>
             </a:r>
             <a:endParaRPr lang="en-US" dirty="0"/>
           </a:p>
         </p:txBody>
       </p:sp>
-      <p:pic>
-        <p:nvPicPr>
-          <p:cNvPr id="4" name="Content Placeholder 3" descr="countycartredblue1024.png"/>
-          <p:cNvPicPr>
-            <a:picLocks noGrp="1" noChangeAspect="1"/>
-          </p:cNvPicPr>
+      <p:sp>
+        <p:nvSpPr>
+          <p:cNvPr id="3" name="Content Placeholder 2"/>
+          <p:cNvSpPr>
+            <a:spLocks noGrp="1"/>
+          </p:cNvSpPr>
           <p:nvPr>
             <p:ph idx="1"/>
           </p:nvPr>
-        </p:nvPicPr>
-        <p:blipFill>
-          <a:blip r:embed="rId2">
-            <a:extLst>
-              <a:ext uri="{28A0092B-C50C-407E-A947-70E740481C1C}">
-                <a14:useLocalDpi xmlns:a14="http://schemas.microsoft.com/office/drawing/2010/main" val="0"/>
-              </a:ext>
-            </a:extLst>
-          </a:blip>
-          <a:srcRect l="-11439" r="-11439"/>
-          <a:stretch>
-            <a:fillRect/>
-          </a:stretch>
-        </p:blipFill>
-        <p:spPr/>
-      </p:pic>
+        </p:nvSpPr>
+        <p:spPr/>
+        <p:txBody>
+          <a:bodyPr/>
+          <a:lstStyle/>
+          <a:p>
+            <a:r>
+              <a:rPr lang="en-US" dirty="0" smtClean="0">
+                <a:hlinkClick r:id="rId2"/>
+              </a:rPr>
+              <a:t>Make Tufte</a:t>
+            </a:r>
+            <a:r>
+              <a:rPr lang="en-US" dirty="0">
+                <a:hlinkClick r:id="rId2"/>
+              </a:rPr>
+              <a:t> </a:t>
+            </a:r>
+            <a:r>
+              <a:rPr lang="en-US" dirty="0" smtClean="0">
+                <a:hlinkClick r:id="rId2"/>
+              </a:rPr>
+              <a:t>Proud</a:t>
+            </a:r>
+            <a:endParaRPr lang="en-US" dirty="0" smtClean="0"/>
+          </a:p>
+          <a:p>
+            <a:r>
+              <a:rPr lang="en-US" dirty="0" smtClean="0">
+                <a:hlinkClick r:id="rId3"/>
+              </a:rPr>
+              <a:t>What is your eye drawn to first here</a:t>
+            </a:r>
+            <a:r>
+              <a:rPr lang="en-US" dirty="0" smtClean="0"/>
+              <a:t>? </a:t>
+            </a:r>
+            <a:endParaRPr lang="en-US" dirty="0"/>
+          </a:p>
+        </p:txBody>
+      </p:sp>
     </p:spTree>
     <p:extLst>
       <p:ext uri="{BB962C8B-B14F-4D97-AF65-F5344CB8AC3E}">
-        <p14:creationId xmlns:p14="http://schemas.microsoft.com/office/powerpoint/2010/main" val="3870529329"/>
+        <p14:creationId xmlns:p14="http://schemas.microsoft.com/office/powerpoint/2010/main" val="2496760144"/>
       </p:ext>
     </p:extLst>
   </p:cSld>
@@ -3454,15 +3492,38 @@
           <a:p>
             <a:r>
               <a:rPr lang="en-US" dirty="0" smtClean="0"/>
-              <a:t>Assignment: Read Cairo Part II: Cognition</a:t>
-            </a:r>
-          </a:p>
-          <a:p>
+              <a:t>Assignment: </a:t>
+            </a:r>
+            <a:r>
+              <a:rPr lang="en-US" dirty="0"/>
+              <a:t>Read </a:t>
+            </a:r>
+            <a:r>
+              <a:rPr lang="en-US" dirty="0" err="1"/>
+              <a:t>Tufte</a:t>
+            </a:r>
+            <a:r>
+              <a:rPr lang="en-US" dirty="0"/>
+              <a:t> Chapter 2, 3, 5, 6</a:t>
+            </a:r>
+            <a:endParaRPr lang="en-US" dirty="0" smtClean="0"/>
+          </a:p>
+          <a:p>
+            <a:r>
+              <a:rPr lang="en-US" dirty="0"/>
+              <a:t>Quiz on Tuesday over the readings</a:t>
+            </a:r>
             <a:r>
               <a:rPr lang="en-US" dirty="0" smtClean="0"/>
-              <a:t>Start your Code Academy Class</a:t>
-            </a:r>
-            <a:endParaRPr lang="en-US" dirty="0"/>
+              <a:t>.</a:t>
+            </a:r>
+            <a:endParaRPr lang="en-US" dirty="0" smtClean="0"/>
+          </a:p>
+          <a:p>
+            <a:r>
+              <a:rPr lang="en-US" dirty="0" smtClean="0"/>
+              <a:t>Start refreshers if needed.</a:t>
+            </a:r>
           </a:p>
         </p:txBody>
       </p:sp>
@@ -3476,6 +3537,13 @@
   <p:clrMapOvr>
     <a:masterClrMapping/>
   </p:clrMapOvr>
+  <p:timing>
+    <p:tnLst>
+      <p:par>
+        <p:cTn xmlns:p14="http://schemas.microsoft.com/office/powerpoint/2010/main" id="1" dur="indefinite" restart="never" nodeType="tmRoot"/>
+      </p:par>
+    </p:tnLst>
+  </p:timing>
 </p:sld>
 </file>
 
@@ -3513,7 +3581,7 @@
           <a:p>
             <a:r>
               <a:rPr lang="en-US" dirty="0" smtClean="0"/>
-              <a:t>Housekeeping</a:t>
+              <a:t>Online learning outside class</a:t>
             </a:r>
             <a:endParaRPr lang="en-US" dirty="0"/>
           </a:p>
@@ -3531,26 +3599,47 @@
         </p:nvSpPr>
         <p:spPr/>
         <p:txBody>
-          <a:bodyPr/>
+          <a:bodyPr>
+            <a:normAutofit lnSpcReduction="10000"/>
+          </a:bodyPr>
           <a:lstStyle/>
           <a:p>
             <a:r>
               <a:rPr lang="en-US" dirty="0" smtClean="0"/>
-              <a:t>Number of pull requests I have received as of 2:40 p.m.: 2. Where are the rest of you?</a:t>
+              <a:t>If you need a brush up on HTML: Web Fundamentals at </a:t>
+            </a:r>
+            <a:r>
+              <a:rPr lang="en-US" dirty="0" smtClean="0">
+                <a:hlinkClick r:id="rId2"/>
+              </a:rPr>
+              <a:t>http</a:t>
+            </a:r>
+            <a:r>
+              <a:rPr lang="en-US" dirty="0">
+                <a:hlinkClick r:id="rId2"/>
+              </a:rPr>
+              <a:t>://www.codecademy.com/</a:t>
             </a:r>
           </a:p>
           <a:p>
             <a:r>
               <a:rPr lang="en-US" dirty="0" smtClean="0"/>
-              <a:t>Tuesday class: Oct. 1. I have a 6 p.m. flight to catch. Class will either be 1) held online 2) very short 3) cancelled. Not sure yet.</a:t>
-            </a:r>
+              <a:t>If you need a basic spreadsheet/data journalism refresher/introduction, there’s a PDF on Canvas you can go through with examples and data. </a:t>
+            </a:r>
+          </a:p>
+          <a:p>
+            <a:r>
+              <a:rPr lang="en-US" dirty="0" smtClean="0"/>
+              <a:t>NOTE: If you’re in JOUR302, you’ll do this anyway. Soon.</a:t>
+            </a:r>
+            <a:endParaRPr lang="en-US" dirty="0"/>
           </a:p>
         </p:txBody>
       </p:sp>
     </p:spTree>
     <p:extLst>
       <p:ext uri="{BB962C8B-B14F-4D97-AF65-F5344CB8AC3E}">
-        <p14:creationId xmlns:p14="http://schemas.microsoft.com/office/powerpoint/2010/main" val="3722440365"/>
+        <p14:creationId xmlns:p14="http://schemas.microsoft.com/office/powerpoint/2010/main" val="835319154"/>
       </p:ext>
     </p:extLst>
   </p:cSld>
@@ -3594,7 +3683,7 @@
           <a:p>
             <a:r>
               <a:rPr lang="en-US" dirty="0" smtClean="0"/>
-              <a:t>Online learning outside class</a:t>
+              <a:t>How your brain works</a:t>
             </a:r>
             <a:endParaRPr lang="en-US" dirty="0"/>
           </a:p>
@@ -3616,70 +3705,29 @@
           <a:lstStyle/>
           <a:p>
             <a:r>
-              <a:rPr lang="en-US" dirty="0" smtClean="0">
-                <a:hlinkClick r:id="rId2"/>
-              </a:rPr>
-              <a:t>http://www.codecademy.com/</a:t>
-            </a:r>
-            <a:endParaRPr lang="en-US" dirty="0" smtClean="0"/>
-          </a:p>
-          <a:p>
-            <a:r>
               <a:rPr lang="en-US" dirty="0" smtClean="0"/>
-              <a:t>To complete the online code courses, you must send me a screenshot of your badge.</a:t>
-            </a:r>
-          </a:p>
-          <a:p>
-            <a:r>
-              <a:rPr lang="en-US" dirty="0" smtClean="0"/>
-              <a:t>Everyone start with Web Fundamentals.</a:t>
-            </a:r>
-          </a:p>
-          <a:p>
-            <a:r>
-              <a:rPr lang="en-US" dirty="0" smtClean="0"/>
-              <a:t>You have one week to finish the course.</a:t>
-            </a:r>
-          </a:p>
-          <a:p>
-            <a:r>
-              <a:rPr lang="en-US" dirty="0" smtClean="0"/>
-              <a:t>After the course, we’ll hack </a:t>
-            </a:r>
-            <a:r>
-              <a:rPr lang="en-US" dirty="0" err="1" smtClean="0"/>
-              <a:t>Chartbuilder</a:t>
-            </a:r>
-            <a:r>
-              <a:rPr lang="en-US" dirty="0" smtClean="0"/>
-              <a:t>.</a:t>
-            </a:r>
-            <a:endParaRPr lang="en-US" dirty="0" smtClean="0"/>
-          </a:p>
-          <a:p>
-            <a:r>
-              <a:rPr lang="en-US" dirty="0" smtClean="0"/>
-              <a:t>Up next: JavaScript, then D3.</a:t>
-            </a:r>
-          </a:p>
-          <a:p>
-            <a:endParaRPr lang="en-US" dirty="0" smtClean="0"/>
-          </a:p>
-          <a:p>
-            <a:endParaRPr lang="en-US" dirty="0"/>
+              <a:t>Understanding cognition is important to visualizing data.</a:t>
+            </a:r>
           </a:p>
         </p:txBody>
       </p:sp>
     </p:spTree>
     <p:extLst>
       <p:ext uri="{BB962C8B-B14F-4D97-AF65-F5344CB8AC3E}">
-        <p14:creationId xmlns:p14="http://schemas.microsoft.com/office/powerpoint/2010/main" val="835319154"/>
+        <p14:creationId xmlns:p14="http://schemas.microsoft.com/office/powerpoint/2010/main" val="3949837497"/>
       </p:ext>
     </p:extLst>
   </p:cSld>
   <p:clrMapOvr>
     <a:masterClrMapping/>
   </p:clrMapOvr>
+  <p:timing>
+    <p:tnLst>
+      <p:par>
+        <p:cTn xmlns:p14="http://schemas.microsoft.com/office/powerpoint/2010/main" id="1" dur="indefinite" restart="never" nodeType="tmRoot"/>
+      </p:par>
+    </p:tnLst>
+  </p:timing>
 </p:sld>
 </file>
 
@@ -3717,7 +3765,7 @@
           <a:p>
             <a:r>
               <a:rPr lang="en-US" dirty="0" smtClean="0"/>
-              <a:t>How your brain works</a:t>
+              <a:t>Introduction to cognition</a:t>
             </a:r>
             <a:endParaRPr lang="en-US" dirty="0"/>
           </a:p>
@@ -3740,7 +3788,43 @@
           <a:p>
             <a:r>
               <a:rPr lang="en-US" dirty="0" smtClean="0"/>
-              <a:t>Understanding cognition is important to visualizing data.</a:t>
+              <a:t>There are three steps to “seeing”</a:t>
+            </a:r>
+          </a:p>
+          <a:p>
+            <a:r>
+              <a:rPr lang="en-US" dirty="0" smtClean="0"/>
+              <a:t>Seeing</a:t>
+            </a:r>
+          </a:p>
+          <a:p>
+            <a:r>
+              <a:rPr lang="en-US" dirty="0" smtClean="0"/>
+              <a:t>Perceiving</a:t>
+            </a:r>
+          </a:p>
+          <a:p>
+            <a:r>
+              <a:rPr lang="en-US" dirty="0" smtClean="0"/>
+              <a:t>Knowing</a:t>
+            </a:r>
+          </a:p>
+          <a:p>
+            <a:r>
+              <a:rPr lang="en-US" dirty="0" smtClean="0"/>
+              <a:t>They are all different phenomena.</a:t>
+            </a:r>
+          </a:p>
+          <a:p>
+            <a:r>
+              <a:rPr lang="en-US" dirty="0" smtClean="0">
+                <a:hlinkClick r:id="rId2"/>
+              </a:rPr>
+              <a:t>What do you see here</a:t>
+            </a:r>
+            <a:r>
+              <a:rPr lang="en-US" dirty="0" smtClean="0"/>
+              <a:t>? What does your brain see, perceive, and know?</a:t>
             </a:r>
           </a:p>
         </p:txBody>
@@ -3748,13 +3832,20 @@
     </p:spTree>
     <p:extLst>
       <p:ext uri="{BB962C8B-B14F-4D97-AF65-F5344CB8AC3E}">
-        <p14:creationId xmlns:p14="http://schemas.microsoft.com/office/powerpoint/2010/main" val="3949837497"/>
+        <p14:creationId xmlns:p14="http://schemas.microsoft.com/office/powerpoint/2010/main" val="2430873225"/>
       </p:ext>
     </p:extLst>
   </p:cSld>
   <p:clrMapOvr>
     <a:masterClrMapping/>
   </p:clrMapOvr>
+  <p:timing>
+    <p:tnLst>
+      <p:par>
+        <p:cTn xmlns:p14="http://schemas.microsoft.com/office/powerpoint/2010/main" id="1" dur="indefinite" restart="never" nodeType="tmRoot"/>
+      </p:par>
+    </p:tnLst>
+  </p:timing>
 </p:sld>
 </file>
 
@@ -3792,7 +3883,7 @@
           <a:p>
             <a:r>
               <a:rPr lang="en-US" dirty="0" smtClean="0"/>
-              <a:t>Introduction to cognition</a:t>
+              <a:t>Seeing</a:t>
             </a:r>
             <a:endParaRPr lang="en-US" dirty="0"/>
           </a:p>
@@ -3815,43 +3906,31 @@
           <a:p>
             <a:r>
               <a:rPr lang="en-US" dirty="0" smtClean="0"/>
-              <a:t>There are three steps to “seeing”</a:t>
+              <a:t>You might think you see in a fairly wide angle.</a:t>
             </a:r>
           </a:p>
           <a:p>
             <a:r>
               <a:rPr lang="en-US" dirty="0" smtClean="0"/>
-              <a:t>Seeing</a:t>
+              <a:t>You do not.</a:t>
             </a:r>
           </a:p>
           <a:p>
             <a:r>
               <a:rPr lang="en-US" dirty="0" smtClean="0"/>
-              <a:t>Perceiving</a:t>
+              <a:t>Your main focal plane is quite narrow, which means for you to “see” something clearly, it must be in that narrow range.</a:t>
             </a:r>
           </a:p>
           <a:p>
             <a:r>
               <a:rPr lang="en-US" dirty="0" smtClean="0"/>
-              <a:t>Knowing</a:t>
+              <a:t>“Movement” attracts our vision.</a:t>
             </a:r>
           </a:p>
           <a:p>
             <a:r>
               <a:rPr lang="en-US" dirty="0" smtClean="0"/>
-              <a:t>They are all different phenomena.</a:t>
-            </a:r>
-          </a:p>
-          <a:p>
-            <a:r>
-              <a:rPr lang="en-US" dirty="0" smtClean="0">
-                <a:hlinkClick r:id="rId2"/>
-              </a:rPr>
-              <a:t>What do you see here</a:t>
-            </a:r>
-            <a:r>
-              <a:rPr lang="en-US" dirty="0" smtClean="0"/>
-              <a:t>? What does your brain see, perceive, and know?</a:t>
+              <a:t>Moving objects, bright colors, uncommonly shaped items attract our eyes.</a:t>
             </a:r>
           </a:p>
         </p:txBody>
@@ -3859,13 +3938,20 @@
     </p:spTree>
     <p:extLst>
       <p:ext uri="{BB962C8B-B14F-4D97-AF65-F5344CB8AC3E}">
-        <p14:creationId xmlns:p14="http://schemas.microsoft.com/office/powerpoint/2010/main" val="2430873225"/>
+        <p14:creationId xmlns:p14="http://schemas.microsoft.com/office/powerpoint/2010/main" val="2727719407"/>
       </p:ext>
     </p:extLst>
   </p:cSld>
   <p:clrMapOvr>
     <a:masterClrMapping/>
   </p:clrMapOvr>
+  <p:timing>
+    <p:tnLst>
+      <p:par>
+        <p:cTn xmlns:p14="http://schemas.microsoft.com/office/powerpoint/2010/main" id="1" dur="indefinite" restart="never" nodeType="tmRoot"/>
+      </p:par>
+    </p:tnLst>
+  </p:timing>
 </p:sld>
 </file>
 
@@ -3903,7 +3989,7 @@
           <a:p>
             <a:r>
               <a:rPr lang="en-US" dirty="0" smtClean="0"/>
-              <a:t>Seeing</a:t>
+              <a:t>How does this apply to graphics?</a:t>
             </a:r>
             <a:endParaRPr lang="en-US" dirty="0"/>
           </a:p>
@@ -3926,45 +4012,41 @@
           <a:p>
             <a:r>
               <a:rPr lang="en-US" dirty="0" smtClean="0"/>
-              <a:t>You might think you see in a fairly wide angle.</a:t>
+              <a:t>If your graphic “moves,” do not expect people to read text. Place it where the motion ends.</a:t>
             </a:r>
           </a:p>
           <a:p>
             <a:r>
               <a:rPr lang="en-US" dirty="0" smtClean="0"/>
-              <a:t>You do not.</a:t>
+              <a:t>Use colors only for the most important things.</a:t>
             </a:r>
           </a:p>
           <a:p>
             <a:r>
               <a:rPr lang="en-US" dirty="0" smtClean="0"/>
-              <a:t>Your main focal plane is quite narrow, which means for you to “see” something clearly, it must be in that narrow range.</a:t>
-            </a:r>
-          </a:p>
-          <a:p>
-            <a:r>
-              <a:rPr lang="en-US" dirty="0" smtClean="0"/>
-              <a:t>“Movement” attracts our vision.</a:t>
-            </a:r>
-          </a:p>
-          <a:p>
-            <a:r>
-              <a:rPr lang="en-US" dirty="0" smtClean="0"/>
-              <a:t>Moving objects, bright colors, uncommonly shaped items attract our eyes.</a:t>
-            </a:r>
+              <a:t>“If you know that the brain prioritizes what it pays attention to, prioritize beforehand.” – Cairo.</a:t>
+            </a:r>
+            <a:endParaRPr lang="en-US" dirty="0"/>
           </a:p>
         </p:txBody>
       </p:sp>
     </p:spTree>
     <p:extLst>
       <p:ext uri="{BB962C8B-B14F-4D97-AF65-F5344CB8AC3E}">
-        <p14:creationId xmlns:p14="http://schemas.microsoft.com/office/powerpoint/2010/main" val="2727719407"/>
+        <p14:creationId xmlns:p14="http://schemas.microsoft.com/office/powerpoint/2010/main" val="536583465"/>
       </p:ext>
     </p:extLst>
   </p:cSld>
   <p:clrMapOvr>
     <a:masterClrMapping/>
   </p:clrMapOvr>
+  <p:timing>
+    <p:tnLst>
+      <p:par>
+        <p:cTn xmlns:p14="http://schemas.microsoft.com/office/powerpoint/2010/main" id="1" dur="indefinite" restart="never" nodeType="tmRoot"/>
+      </p:par>
+    </p:tnLst>
+  </p:timing>
 </p:sld>
 </file>
 
@@ -4002,57 +4084,54 @@
           <a:p>
             <a:r>
               <a:rPr lang="en-US" dirty="0" smtClean="0"/>
-              <a:t>How does this apply to graphics?</a:t>
+              <a:t>Perception</a:t>
             </a:r>
             <a:endParaRPr lang="en-US" dirty="0"/>
           </a:p>
         </p:txBody>
       </p:sp>
-      <p:sp>
-        <p:nvSpPr>
-          <p:cNvPr id="3" name="Content Placeholder 2"/>
-          <p:cNvSpPr>
-            <a:spLocks noGrp="1"/>
-          </p:cNvSpPr>
+      <p:pic>
+        <p:nvPicPr>
+          <p:cNvPr id="4" name="Content Placeholder 3" descr="Reification-Graphic.png"/>
+          <p:cNvPicPr>
+            <a:picLocks noGrp="1" noChangeAspect="1"/>
+          </p:cNvPicPr>
           <p:nvPr>
             <p:ph idx="1"/>
           </p:nvPr>
-        </p:nvSpPr>
-        <p:spPr/>
-        <p:txBody>
-          <a:bodyPr/>
-          <a:lstStyle/>
-          <a:p>
-            <a:r>
-              <a:rPr lang="en-US" dirty="0" smtClean="0"/>
-              <a:t>If your graphic “moves,” do not expect people to read text. Place it where the motion ends.</a:t>
-            </a:r>
-          </a:p>
-          <a:p>
-            <a:r>
-              <a:rPr lang="en-US" dirty="0" smtClean="0"/>
-              <a:t>Use colors only for the most important things.</a:t>
-            </a:r>
-          </a:p>
-          <a:p>
-            <a:r>
-              <a:rPr lang="en-US" dirty="0" smtClean="0"/>
-              <a:t>“If you know that the brain prioritizes what it pays attention to, prioritize beforehand.” – Cairo.</a:t>
-            </a:r>
-            <a:endParaRPr lang="en-US" dirty="0"/>
-          </a:p>
-        </p:txBody>
-      </p:sp>
+        </p:nvPicPr>
+        <p:blipFill>
+          <a:blip r:embed="rId2">
+            <a:extLst>
+              <a:ext uri="{28A0092B-C50C-407E-A947-70E740481C1C}">
+                <a14:useLocalDpi xmlns:a14="http://schemas.microsoft.com/office/drawing/2010/main" val="0"/>
+              </a:ext>
+            </a:extLst>
+          </a:blip>
+          <a:srcRect l="-25289" r="-25289"/>
+          <a:stretch>
+            <a:fillRect/>
+          </a:stretch>
+        </p:blipFill>
+        <p:spPr/>
+      </p:pic>
     </p:spTree>
     <p:extLst>
       <p:ext uri="{BB962C8B-B14F-4D97-AF65-F5344CB8AC3E}">
-        <p14:creationId xmlns:p14="http://schemas.microsoft.com/office/powerpoint/2010/main" val="536583465"/>
+        <p14:creationId xmlns:p14="http://schemas.microsoft.com/office/powerpoint/2010/main" val="284169909"/>
       </p:ext>
     </p:extLst>
   </p:cSld>
   <p:clrMapOvr>
     <a:masterClrMapping/>
   </p:clrMapOvr>
+  <p:timing>
+    <p:tnLst>
+      <p:par>
+        <p:cTn xmlns:p14="http://schemas.microsoft.com/office/powerpoint/2010/main" id="1" dur="indefinite" restart="never" nodeType="tmRoot"/>
+      </p:par>
+    </p:tnLst>
+  </p:timing>
 </p:sld>
 </file>
 
@@ -4096,41 +4175,58 @@
           </a:p>
         </p:txBody>
       </p:sp>
-      <p:pic>
-        <p:nvPicPr>
-          <p:cNvPr id="4" name="Content Placeholder 3" descr="Reification-Graphic.png"/>
-          <p:cNvPicPr>
-            <a:picLocks noGrp="1" noChangeAspect="1"/>
-          </p:cNvPicPr>
+      <p:sp>
+        <p:nvSpPr>
+          <p:cNvPr id="3" name="Content Placeholder 2"/>
+          <p:cNvSpPr>
+            <a:spLocks noGrp="1"/>
+          </p:cNvSpPr>
           <p:nvPr>
             <p:ph idx="1"/>
           </p:nvPr>
-        </p:nvPicPr>
-        <p:blipFill>
-          <a:blip r:embed="rId2">
-            <a:extLst>
-              <a:ext uri="{28A0092B-C50C-407E-A947-70E740481C1C}">
-                <a14:useLocalDpi xmlns:a14="http://schemas.microsoft.com/office/drawing/2010/main" val="0"/>
-              </a:ext>
-            </a:extLst>
-          </a:blip>
-          <a:srcRect l="-25289" r="-25289"/>
-          <a:stretch>
-            <a:fillRect/>
-          </a:stretch>
-        </p:blipFill>
-        <p:spPr/>
-      </p:pic>
+        </p:nvSpPr>
+        <p:spPr/>
+        <p:txBody>
+          <a:bodyPr/>
+          <a:lstStyle/>
+          <a:p>
+            <a:r>
+              <a:rPr lang="en-US" dirty="0" smtClean="0"/>
+              <a:t>What the brain “sees” is a composite image coming from both eyes.</a:t>
+            </a:r>
+          </a:p>
+          <a:p>
+            <a:r>
+              <a:rPr lang="en-US" dirty="0" smtClean="0"/>
+              <a:t>Your brain is a pattern matching machine. It perceives patterns from imperfect data.</a:t>
+            </a:r>
+          </a:p>
+          <a:p>
+            <a:r>
+              <a:rPr lang="en-US" dirty="0" smtClean="0"/>
+              <a:t>This is evolution – your brain was trained to detect predators hiding in weeds so you didn’t get eaten.</a:t>
+            </a:r>
+            <a:endParaRPr lang="en-US" dirty="0"/>
+          </a:p>
+        </p:txBody>
+      </p:sp>
     </p:spTree>
     <p:extLst>
       <p:ext uri="{BB962C8B-B14F-4D97-AF65-F5344CB8AC3E}">
-        <p14:creationId xmlns:p14="http://schemas.microsoft.com/office/powerpoint/2010/main" val="284169909"/>
+        <p14:creationId xmlns:p14="http://schemas.microsoft.com/office/powerpoint/2010/main" val="2637669948"/>
       </p:ext>
     </p:extLst>
   </p:cSld>
   <p:clrMapOvr>
     <a:masterClrMapping/>
   </p:clrMapOvr>
+  <p:timing>
+    <p:tnLst>
+      <p:par>
+        <p:cTn xmlns:p14="http://schemas.microsoft.com/office/powerpoint/2010/main" id="1" dur="indefinite" restart="never" nodeType="tmRoot"/>
+      </p:par>
+    </p:tnLst>
+  </p:timing>
 </p:sld>
 </file>
 
@@ -4168,9 +4264,12 @@
           <a:p>
             <a:r>
               <a:rPr lang="en-US" dirty="0" smtClean="0"/>
-              <a:t>Perception</a:t>
-            </a:r>
-            <a:endParaRPr lang="en-US" dirty="0"/>
+              <a:t>Cognitio</a:t>
+            </a:r>
+            <a:r>
+              <a:rPr lang="en-US" dirty="0"/>
+              <a:t>n</a:t>
+            </a:r>
           </a:p>
         </p:txBody>
       </p:sp>
@@ -4191,34 +4290,37 @@
           <a:p>
             <a:r>
               <a:rPr lang="en-US" dirty="0" smtClean="0"/>
-              <a:t>What the brain “sees” is a composite image coming from both eyes.</a:t>
-            </a:r>
-          </a:p>
-          <a:p>
+              <a:t>The brain is much better at quickly detecting shade variations than shape </a:t>
+            </a:r>
             <a:r>
               <a:rPr lang="en-US" dirty="0" smtClean="0"/>
-              <a:t>Your brain is a pattern matching machine. It perceives patterns from imperfect data.</a:t>
-            </a:r>
-          </a:p>
-          <a:p>
-            <a:r>
-              <a:rPr lang="en-US" dirty="0" smtClean="0"/>
-              <a:t>This is evolution – your brain was trained to detect predators hiding in weeds so you didn’t get eaten.</a:t>
-            </a:r>
-            <a:endParaRPr lang="en-US" dirty="0"/>
+              <a:t>differences</a:t>
+            </a:r>
+            <a:r>
+              <a:rPr lang="en-US" dirty="0"/>
+              <a:t>.</a:t>
+            </a:r>
+            <a:endParaRPr lang="en-US" dirty="0" smtClean="0"/>
           </a:p>
         </p:txBody>
       </p:sp>
     </p:spTree>
     <p:extLst>
       <p:ext uri="{BB962C8B-B14F-4D97-AF65-F5344CB8AC3E}">
-        <p14:creationId xmlns:p14="http://schemas.microsoft.com/office/powerpoint/2010/main" val="2637669948"/>
+        <p14:creationId xmlns:p14="http://schemas.microsoft.com/office/powerpoint/2010/main" val="3109319288"/>
       </p:ext>
     </p:extLst>
   </p:cSld>
   <p:clrMapOvr>
     <a:masterClrMapping/>
   </p:clrMapOvr>
+  <p:timing>
+    <p:tnLst>
+      <p:par>
+        <p:cTn xmlns:p14="http://schemas.microsoft.com/office/powerpoint/2010/main" id="1" dur="indefinite" restart="never" nodeType="tmRoot"/>
+      </p:par>
+    </p:tnLst>
+  </p:timing>
 </p:sld>
 </file>
 
